--- a/Release 1 (I1 & I2)/R1.I1 Final Deliverables/11. Github slides & code sample.pptx
+++ b/Release 1 (I1 & I2)/R1.I1 Final Deliverables/11. Github slides & code sample.pptx
@@ -5,50 +5,49 @@
     <p:sldMasterId id="2147483659" r:id="rId1"/>
   </p:sldMasterIdLst>
   <p:notesMasterIdLst>
-    <p:notesMasterId r:id="rId19"/>
+    <p:notesMasterId r:id="rId18"/>
   </p:notesMasterIdLst>
   <p:sldIdLst>
     <p:sldId id="256" r:id="rId2"/>
     <p:sldId id="257" r:id="rId3"/>
     <p:sldId id="258" r:id="rId4"/>
-    <p:sldId id="259" r:id="rId5"/>
-    <p:sldId id="260" r:id="rId6"/>
-    <p:sldId id="261" r:id="rId7"/>
-    <p:sldId id="262" r:id="rId8"/>
-    <p:sldId id="263" r:id="rId9"/>
-    <p:sldId id="264" r:id="rId10"/>
-    <p:sldId id="265" r:id="rId11"/>
-    <p:sldId id="266" r:id="rId12"/>
-    <p:sldId id="271" r:id="rId13"/>
-    <p:sldId id="267" r:id="rId14"/>
-    <p:sldId id="268" r:id="rId15"/>
-    <p:sldId id="269" r:id="rId16"/>
-    <p:sldId id="272" r:id="rId17"/>
-    <p:sldId id="270" r:id="rId18"/>
+    <p:sldId id="260" r:id="rId5"/>
+    <p:sldId id="261" r:id="rId6"/>
+    <p:sldId id="262" r:id="rId7"/>
+    <p:sldId id="263" r:id="rId8"/>
+    <p:sldId id="264" r:id="rId9"/>
+    <p:sldId id="265" r:id="rId10"/>
+    <p:sldId id="266" r:id="rId11"/>
+    <p:sldId id="271" r:id="rId12"/>
+    <p:sldId id="267" r:id="rId13"/>
+    <p:sldId id="268" r:id="rId14"/>
+    <p:sldId id="269" r:id="rId15"/>
+    <p:sldId id="272" r:id="rId16"/>
+    <p:sldId id="270" r:id="rId17"/>
   </p:sldIdLst>
   <p:sldSz cx="9144000" cy="5143500" type="screen16x9"/>
   <p:notesSz cx="6858000" cy="9144000"/>
   <p:embeddedFontLst>
     <p:embeddedFont>
       <p:font typeface="Calibri" panose="020F0502020204030204" pitchFamily="34" charset="0"/>
-      <p:regular r:id="rId20"/>
-      <p:bold r:id="rId21"/>
-      <p:italic r:id="rId22"/>
-      <p:boldItalic r:id="rId23"/>
+      <p:regular r:id="rId19"/>
+      <p:bold r:id="rId20"/>
+      <p:italic r:id="rId21"/>
+      <p:boldItalic r:id="rId22"/>
     </p:embeddedFont>
     <p:embeddedFont>
       <p:font typeface="Lato" panose="020F0502020204030203" pitchFamily="34" charset="0"/>
-      <p:regular r:id="rId24"/>
-      <p:bold r:id="rId25"/>
-      <p:italic r:id="rId26"/>
-      <p:boldItalic r:id="rId27"/>
+      <p:regular r:id="rId23"/>
+      <p:bold r:id="rId24"/>
+      <p:italic r:id="rId25"/>
+      <p:boldItalic r:id="rId26"/>
     </p:embeddedFont>
     <p:embeddedFont>
       <p:font typeface="Raleway" pitchFamily="2" charset="0"/>
-      <p:regular r:id="rId28"/>
-      <p:bold r:id="rId29"/>
-      <p:italic r:id="rId30"/>
-      <p:boldItalic r:id="rId31"/>
+      <p:regular r:id="rId27"/>
+      <p:bold r:id="rId28"/>
+      <p:italic r:id="rId29"/>
+      <p:boldItalic r:id="rId30"/>
     </p:embeddedFont>
   </p:embeddedFontLst>
   <p:defaultTextStyle>
@@ -1002,128 +1001,6 @@
   <p:cSld>
     <p:spTree>
       <p:nvGrpSpPr>
-        <p:cNvPr id="1" name="Shape 137"/>
-        <p:cNvGrpSpPr/>
-        <p:nvPr/>
-      </p:nvGrpSpPr>
-      <p:grpSpPr>
-        <a:xfrm>
-          <a:off x="0" y="0"/>
-          <a:ext cx="0" cy="0"/>
-          <a:chOff x="0" y="0"/>
-          <a:chExt cx="0" cy="0"/>
-        </a:xfrm>
-      </p:grpSpPr>
-      <p:sp>
-        <p:nvSpPr>
-          <p:cNvPr id="138" name="Google Shape;138;p10:notes"/>
-          <p:cNvSpPr>
-            <a:spLocks noGrp="1" noRot="1" noChangeAspect="1"/>
-          </p:cNvSpPr>
-          <p:nvPr>
-            <p:ph type="sldImg" idx="2"/>
-          </p:nvPr>
-        </p:nvSpPr>
-        <p:spPr>
-          <a:xfrm>
-            <a:off x="381000" y="685800"/>
-            <a:ext cx="6096000" cy="3429000"/>
-          </a:xfrm>
-          <a:custGeom>
-            <a:avLst/>
-            <a:gdLst/>
-            <a:ahLst/>
-            <a:cxnLst/>
-            <a:rect l="l" t="t" r="r" b="b"/>
-            <a:pathLst>
-              <a:path w="120000" h="120000" extrusionOk="0">
-                <a:moveTo>
-                  <a:pt x="0" y="0"/>
-                </a:moveTo>
-                <a:lnTo>
-                  <a:pt x="120000" y="0"/>
-                </a:lnTo>
-                <a:lnTo>
-                  <a:pt x="120000" y="120000"/>
-                </a:lnTo>
-                <a:lnTo>
-                  <a:pt x="0" y="120000"/>
-                </a:lnTo>
-                <a:close/>
-              </a:path>
-            </a:pathLst>
-          </a:custGeom>
-          <a:noFill/>
-          <a:ln w="9525" cap="flat" cmpd="sng">
-            <a:solidFill>
-              <a:srgbClr val="000000"/>
-            </a:solidFill>
-            <a:prstDash val="solid"/>
-            <a:round/>
-            <a:headEnd type="none" w="sm" len="sm"/>
-            <a:tailEnd type="none" w="sm" len="sm"/>
-          </a:ln>
-        </p:spPr>
-      </p:sp>
-      <p:sp>
-        <p:nvSpPr>
-          <p:cNvPr id="139" name="Google Shape;139;p10:notes"/>
-          <p:cNvSpPr txBox="1">
-            <a:spLocks noGrp="1"/>
-          </p:cNvSpPr>
-          <p:nvPr>
-            <p:ph type="body" idx="1"/>
-          </p:nvPr>
-        </p:nvSpPr>
-        <p:spPr>
-          <a:xfrm>
-            <a:off x="685800" y="4343400"/>
-            <a:ext cx="5486400" cy="4114800"/>
-          </a:xfrm>
-          <a:prstGeom prst="rect">
-            <a:avLst/>
-          </a:prstGeom>
-          <a:noFill/>
-          <a:ln>
-            <a:noFill/>
-          </a:ln>
-        </p:spPr>
-        <p:txBody>
-          <a:bodyPr spcFirstLastPara="1" wrap="square" lIns="91425" tIns="91425" rIns="91425" bIns="91425" anchor="t" anchorCtr="0">
-            <a:noAutofit/>
-          </a:bodyPr>
-          <a:lstStyle/>
-          <a:p>
-            <a:pPr marL="0" lvl="0" indent="0" algn="l" rtl="0">
-              <a:lnSpc>
-                <a:spcPct val="100000"/>
-              </a:lnSpc>
-              <a:spcBef>
-                <a:spcPts val="0"/>
-              </a:spcBef>
-              <a:spcAft>
-                <a:spcPts val="0"/>
-              </a:spcAft>
-              <a:buSzPts val="1100"/>
-              <a:buNone/>
-            </a:pPr>
-            <a:endParaRPr/>
-          </a:p>
-        </p:txBody>
-      </p:sp>
-    </p:spTree>
-  </p:cSld>
-  <p:clrMapOvr>
-    <a:masterClrMapping/>
-  </p:clrMapOvr>
-</p:notes>
-</file>
-
-<file path=ppt/notesSlides/notesSlide11.xml><?xml version="1.0" encoding="utf-8"?>
-<p:notes xmlns:a="http://schemas.openxmlformats.org/drawingml/2006/main" xmlns:r="http://schemas.openxmlformats.org/officeDocument/2006/relationships" xmlns:p="http://schemas.openxmlformats.org/presentationml/2006/main" showMasterSp="0" showMasterPhAnim="0">
-  <p:cSld>
-    <p:spTree>
-      <p:nvGrpSpPr>
         <p:cNvPr id="1" name="Shape 143"/>
         <p:cNvGrpSpPr/>
         <p:nvPr/>
@@ -1241,7 +1118,7 @@
 </p:notes>
 </file>
 
-<file path=ppt/notesSlides/notesSlide12.xml><?xml version="1.0" encoding="utf-8"?>
+<file path=ppt/notesSlides/notesSlide11.xml><?xml version="1.0" encoding="utf-8"?>
 <p:notes xmlns:a="http://schemas.openxmlformats.org/drawingml/2006/main" xmlns:r="http://schemas.openxmlformats.org/officeDocument/2006/relationships" xmlns:p="http://schemas.openxmlformats.org/presentationml/2006/main" showMasterSp="0" showMasterPhAnim="0">
   <p:cSld>
     <p:spTree>
@@ -1363,7 +1240,7 @@
 </p:notes>
 </file>
 
-<file path=ppt/notesSlides/notesSlide13.xml><?xml version="1.0" encoding="utf-8"?>
+<file path=ppt/notesSlides/notesSlide12.xml><?xml version="1.0" encoding="utf-8"?>
 <p:notes xmlns:a="http://schemas.openxmlformats.org/drawingml/2006/main" xmlns:r="http://schemas.openxmlformats.org/officeDocument/2006/relationships" xmlns:p="http://schemas.openxmlformats.org/presentationml/2006/main" showMasterSp="0" showMasterPhAnim="0">
   <p:cSld>
     <p:spTree>
@@ -1485,7 +1362,7 @@
 </p:notes>
 </file>
 
-<file path=ppt/notesSlides/notesSlide14.xml><?xml version="1.0" encoding="utf-8"?>
+<file path=ppt/notesSlides/notesSlide13.xml><?xml version="1.0" encoding="utf-8"?>
 <p:notes xmlns:a="http://schemas.openxmlformats.org/drawingml/2006/main" xmlns:r="http://schemas.openxmlformats.org/officeDocument/2006/relationships" xmlns:p="http://schemas.openxmlformats.org/presentationml/2006/main" showMasterSp="0" showMasterPhAnim="0">
   <p:cSld>
     <p:spTree>
@@ -1607,7 +1484,7 @@
 </p:notes>
 </file>
 
-<file path=ppt/notesSlides/notesSlide15.xml><?xml version="1.0" encoding="utf-8"?>
+<file path=ppt/notesSlides/notesSlide14.xml><?xml version="1.0" encoding="utf-8"?>
 <p:notes xmlns:a="http://schemas.openxmlformats.org/drawingml/2006/main" xmlns:r="http://schemas.openxmlformats.org/officeDocument/2006/relationships" xmlns:p="http://schemas.openxmlformats.org/presentationml/2006/main" showMasterSp="0" showMasterPhAnim="0">
   <p:cSld>
     <p:spTree>
@@ -1978,128 +1855,6 @@
   <p:cSld>
     <p:spTree>
       <p:nvGrpSpPr>
-        <p:cNvPr id="1" name="Shape 101"/>
-        <p:cNvGrpSpPr/>
-        <p:nvPr/>
-      </p:nvGrpSpPr>
-      <p:grpSpPr>
-        <a:xfrm>
-          <a:off x="0" y="0"/>
-          <a:ext cx="0" cy="0"/>
-          <a:chOff x="0" y="0"/>
-          <a:chExt cx="0" cy="0"/>
-        </a:xfrm>
-      </p:grpSpPr>
-      <p:sp>
-        <p:nvSpPr>
-          <p:cNvPr id="102" name="Google Shape;102;p4:notes"/>
-          <p:cNvSpPr>
-            <a:spLocks noGrp="1" noRot="1" noChangeAspect="1"/>
-          </p:cNvSpPr>
-          <p:nvPr>
-            <p:ph type="sldImg" idx="2"/>
-          </p:nvPr>
-        </p:nvSpPr>
-        <p:spPr>
-          <a:xfrm>
-            <a:off x="381000" y="685800"/>
-            <a:ext cx="6096000" cy="3429000"/>
-          </a:xfrm>
-          <a:custGeom>
-            <a:avLst/>
-            <a:gdLst/>
-            <a:ahLst/>
-            <a:cxnLst/>
-            <a:rect l="l" t="t" r="r" b="b"/>
-            <a:pathLst>
-              <a:path w="120000" h="120000" extrusionOk="0">
-                <a:moveTo>
-                  <a:pt x="0" y="0"/>
-                </a:moveTo>
-                <a:lnTo>
-                  <a:pt x="120000" y="0"/>
-                </a:lnTo>
-                <a:lnTo>
-                  <a:pt x="120000" y="120000"/>
-                </a:lnTo>
-                <a:lnTo>
-                  <a:pt x="0" y="120000"/>
-                </a:lnTo>
-                <a:close/>
-              </a:path>
-            </a:pathLst>
-          </a:custGeom>
-          <a:noFill/>
-          <a:ln w="9525" cap="flat" cmpd="sng">
-            <a:solidFill>
-              <a:srgbClr val="000000"/>
-            </a:solidFill>
-            <a:prstDash val="solid"/>
-            <a:round/>
-            <a:headEnd type="none" w="sm" len="sm"/>
-            <a:tailEnd type="none" w="sm" len="sm"/>
-          </a:ln>
-        </p:spPr>
-      </p:sp>
-      <p:sp>
-        <p:nvSpPr>
-          <p:cNvPr id="103" name="Google Shape;103;p4:notes"/>
-          <p:cNvSpPr txBox="1">
-            <a:spLocks noGrp="1"/>
-          </p:cNvSpPr>
-          <p:nvPr>
-            <p:ph type="body" idx="1"/>
-          </p:nvPr>
-        </p:nvSpPr>
-        <p:spPr>
-          <a:xfrm>
-            <a:off x="685800" y="4343400"/>
-            <a:ext cx="5486400" cy="4114800"/>
-          </a:xfrm>
-          <a:prstGeom prst="rect">
-            <a:avLst/>
-          </a:prstGeom>
-          <a:noFill/>
-          <a:ln>
-            <a:noFill/>
-          </a:ln>
-        </p:spPr>
-        <p:txBody>
-          <a:bodyPr spcFirstLastPara="1" wrap="square" lIns="91425" tIns="91425" rIns="91425" bIns="91425" anchor="t" anchorCtr="0">
-            <a:noAutofit/>
-          </a:bodyPr>
-          <a:lstStyle/>
-          <a:p>
-            <a:pPr marL="0" lvl="0" indent="0" algn="l" rtl="0">
-              <a:lnSpc>
-                <a:spcPct val="100000"/>
-              </a:lnSpc>
-              <a:spcBef>
-                <a:spcPts val="0"/>
-              </a:spcBef>
-              <a:spcAft>
-                <a:spcPts val="0"/>
-              </a:spcAft>
-              <a:buSzPts val="1100"/>
-              <a:buNone/>
-            </a:pPr>
-            <a:endParaRPr/>
-          </a:p>
-        </p:txBody>
-      </p:sp>
-    </p:spTree>
-  </p:cSld>
-  <p:clrMapOvr>
-    <a:masterClrMapping/>
-  </p:clrMapOvr>
-</p:notes>
-</file>
-
-<file path=ppt/notesSlides/notesSlide5.xml><?xml version="1.0" encoding="utf-8"?>
-<p:notes xmlns:a="http://schemas.openxmlformats.org/drawingml/2006/main" xmlns:r="http://schemas.openxmlformats.org/officeDocument/2006/relationships" xmlns:p="http://schemas.openxmlformats.org/presentationml/2006/main" showMasterSp="0" showMasterPhAnim="0">
-  <p:cSld>
-    <p:spTree>
-      <p:nvGrpSpPr>
         <p:cNvPr id="1" name="Shape 107"/>
         <p:cNvGrpSpPr/>
         <p:nvPr/>
@@ -2217,7 +1972,7 @@
 </p:notes>
 </file>
 
-<file path=ppt/notesSlides/notesSlide6.xml><?xml version="1.0" encoding="utf-8"?>
+<file path=ppt/notesSlides/notesSlide5.xml><?xml version="1.0" encoding="utf-8"?>
 <p:notes xmlns:a="http://schemas.openxmlformats.org/drawingml/2006/main" xmlns:r="http://schemas.openxmlformats.org/officeDocument/2006/relationships" xmlns:p="http://schemas.openxmlformats.org/presentationml/2006/main" showMasterSp="0" showMasterPhAnim="0">
   <p:cSld>
     <p:spTree>
@@ -2339,7 +2094,7 @@
 </p:notes>
 </file>
 
-<file path=ppt/notesSlides/notesSlide7.xml><?xml version="1.0" encoding="utf-8"?>
+<file path=ppt/notesSlides/notesSlide6.xml><?xml version="1.0" encoding="utf-8"?>
 <p:notes xmlns:a="http://schemas.openxmlformats.org/drawingml/2006/main" xmlns:r="http://schemas.openxmlformats.org/officeDocument/2006/relationships" xmlns:p="http://schemas.openxmlformats.org/presentationml/2006/main" showMasterSp="0" showMasterPhAnim="0">
   <p:cSld>
     <p:spTree>
@@ -2461,7 +2216,7 @@
 </p:notes>
 </file>
 
-<file path=ppt/notesSlides/notesSlide8.xml><?xml version="1.0" encoding="utf-8"?>
+<file path=ppt/notesSlides/notesSlide7.xml><?xml version="1.0" encoding="utf-8"?>
 <p:notes xmlns:a="http://schemas.openxmlformats.org/drawingml/2006/main" xmlns:r="http://schemas.openxmlformats.org/officeDocument/2006/relationships" xmlns:p="http://schemas.openxmlformats.org/presentationml/2006/main" showMasterSp="0" showMasterPhAnim="0">
   <p:cSld>
     <p:spTree>
@@ -2583,7 +2338,7 @@
 </p:notes>
 </file>
 
-<file path=ppt/notesSlides/notesSlide9.xml><?xml version="1.0" encoding="utf-8"?>
+<file path=ppt/notesSlides/notesSlide8.xml><?xml version="1.0" encoding="utf-8"?>
 <p:notes xmlns:a="http://schemas.openxmlformats.org/drawingml/2006/main" xmlns:r="http://schemas.openxmlformats.org/officeDocument/2006/relationships" xmlns:p="http://schemas.openxmlformats.org/presentationml/2006/main" showMasterSp="0" showMasterPhAnim="0">
   <p:cSld>
     <p:spTree>
@@ -2654,6 +2409,128 @@
       <p:sp>
         <p:nvSpPr>
           <p:cNvPr id="133" name="Google Shape;133;p9:notes"/>
+          <p:cNvSpPr txBox="1">
+            <a:spLocks noGrp="1"/>
+          </p:cNvSpPr>
+          <p:nvPr>
+            <p:ph type="body" idx="1"/>
+          </p:nvPr>
+        </p:nvSpPr>
+        <p:spPr>
+          <a:xfrm>
+            <a:off x="685800" y="4343400"/>
+            <a:ext cx="5486400" cy="4114800"/>
+          </a:xfrm>
+          <a:prstGeom prst="rect">
+            <a:avLst/>
+          </a:prstGeom>
+          <a:noFill/>
+          <a:ln>
+            <a:noFill/>
+          </a:ln>
+        </p:spPr>
+        <p:txBody>
+          <a:bodyPr spcFirstLastPara="1" wrap="square" lIns="91425" tIns="91425" rIns="91425" bIns="91425" anchor="t" anchorCtr="0">
+            <a:noAutofit/>
+          </a:bodyPr>
+          <a:lstStyle/>
+          <a:p>
+            <a:pPr marL="0" lvl="0" indent="0" algn="l" rtl="0">
+              <a:lnSpc>
+                <a:spcPct val="100000"/>
+              </a:lnSpc>
+              <a:spcBef>
+                <a:spcPts val="0"/>
+              </a:spcBef>
+              <a:spcAft>
+                <a:spcPts val="0"/>
+              </a:spcAft>
+              <a:buSzPts val="1100"/>
+              <a:buNone/>
+            </a:pPr>
+            <a:endParaRPr/>
+          </a:p>
+        </p:txBody>
+      </p:sp>
+    </p:spTree>
+  </p:cSld>
+  <p:clrMapOvr>
+    <a:masterClrMapping/>
+  </p:clrMapOvr>
+</p:notes>
+</file>
+
+<file path=ppt/notesSlides/notesSlide9.xml><?xml version="1.0" encoding="utf-8"?>
+<p:notes xmlns:a="http://schemas.openxmlformats.org/drawingml/2006/main" xmlns:r="http://schemas.openxmlformats.org/officeDocument/2006/relationships" xmlns:p="http://schemas.openxmlformats.org/presentationml/2006/main" showMasterSp="0" showMasterPhAnim="0">
+  <p:cSld>
+    <p:spTree>
+      <p:nvGrpSpPr>
+        <p:cNvPr id="1" name="Shape 137"/>
+        <p:cNvGrpSpPr/>
+        <p:nvPr/>
+      </p:nvGrpSpPr>
+      <p:grpSpPr>
+        <a:xfrm>
+          <a:off x="0" y="0"/>
+          <a:ext cx="0" cy="0"/>
+          <a:chOff x="0" y="0"/>
+          <a:chExt cx="0" cy="0"/>
+        </a:xfrm>
+      </p:grpSpPr>
+      <p:sp>
+        <p:nvSpPr>
+          <p:cNvPr id="138" name="Google Shape;138;p10:notes"/>
+          <p:cNvSpPr>
+            <a:spLocks noGrp="1" noRot="1" noChangeAspect="1"/>
+          </p:cNvSpPr>
+          <p:nvPr>
+            <p:ph type="sldImg" idx="2"/>
+          </p:nvPr>
+        </p:nvSpPr>
+        <p:spPr>
+          <a:xfrm>
+            <a:off x="381000" y="685800"/>
+            <a:ext cx="6096000" cy="3429000"/>
+          </a:xfrm>
+          <a:custGeom>
+            <a:avLst/>
+            <a:gdLst/>
+            <a:ahLst/>
+            <a:cxnLst/>
+            <a:rect l="l" t="t" r="r" b="b"/>
+            <a:pathLst>
+              <a:path w="120000" h="120000" extrusionOk="0">
+                <a:moveTo>
+                  <a:pt x="0" y="0"/>
+                </a:moveTo>
+                <a:lnTo>
+                  <a:pt x="120000" y="0"/>
+                </a:lnTo>
+                <a:lnTo>
+                  <a:pt x="120000" y="120000"/>
+                </a:lnTo>
+                <a:lnTo>
+                  <a:pt x="0" y="120000"/>
+                </a:lnTo>
+                <a:close/>
+              </a:path>
+            </a:pathLst>
+          </a:custGeom>
+          <a:noFill/>
+          <a:ln w="9525" cap="flat" cmpd="sng">
+            <a:solidFill>
+              <a:srgbClr val="000000"/>
+            </a:solidFill>
+            <a:prstDash val="solid"/>
+            <a:round/>
+            <a:headEnd type="none" w="sm" len="sm"/>
+            <a:tailEnd type="none" w="sm" len="sm"/>
+          </a:ln>
+        </p:spPr>
+      </p:sp>
+      <p:sp>
+        <p:nvSpPr>
+          <p:cNvPr id="139" name="Google Shape;139;p10:notes"/>
           <p:cNvSpPr txBox="1">
             <a:spLocks noGrp="1"/>
           </p:cNvSpPr>
@@ -12475,138 +12352,6 @@
   <p:cSld>
     <p:spTree>
       <p:nvGrpSpPr>
-        <p:cNvPr id="1" name="Shape 140"/>
-        <p:cNvGrpSpPr/>
-        <p:nvPr/>
-      </p:nvGrpSpPr>
-      <p:grpSpPr>
-        <a:xfrm>
-          <a:off x="0" y="0"/>
-          <a:ext cx="0" cy="0"/>
-          <a:chOff x="0" y="0"/>
-          <a:chExt cx="0" cy="0"/>
-        </a:xfrm>
-      </p:grpSpPr>
-      <p:sp>
-        <p:nvSpPr>
-          <p:cNvPr id="141" name="Google Shape;141;p22"/>
-          <p:cNvSpPr txBox="1">
-            <a:spLocks noGrp="1"/>
-          </p:cNvSpPr>
-          <p:nvPr>
-            <p:ph type="title" idx="4294967295"/>
-          </p:nvPr>
-        </p:nvSpPr>
-        <p:spPr>
-          <a:xfrm>
-            <a:off x="678275" y="0"/>
-            <a:ext cx="7688400" cy="535200"/>
-          </a:xfrm>
-          <a:prstGeom prst="rect">
-            <a:avLst/>
-          </a:prstGeom>
-          <a:noFill/>
-          <a:ln>
-            <a:noFill/>
-          </a:ln>
-        </p:spPr>
-        <p:txBody>
-          <a:bodyPr spcFirstLastPara="1" wrap="square" lIns="91425" tIns="91425" rIns="91425" bIns="91425" anchor="t" anchorCtr="0">
-            <a:normAutofit fontScale="90000"/>
-          </a:bodyPr>
-          <a:lstStyle/>
-          <a:p>
-            <a:pPr marL="0" lvl="0" indent="0" algn="l" rtl="0">
-              <a:lnSpc>
-                <a:spcPct val="100000"/>
-              </a:lnSpc>
-              <a:spcBef>
-                <a:spcPts val="0"/>
-              </a:spcBef>
-              <a:spcAft>
-                <a:spcPts val="0"/>
-              </a:spcAft>
-              <a:buSzPct val="122004"/>
-              <a:buNone/>
-            </a:pPr>
-            <a:r>
-              <a:rPr lang="en" dirty="0"/>
-              <a:t>Source Code Sample: 1.5 Update account</a:t>
-            </a:r>
-            <a:endParaRPr sz="2550" b="0" dirty="0">
-              <a:solidFill>
-                <a:srgbClr val="000000"/>
-              </a:solidFill>
-              <a:highlight>
-                <a:schemeClr val="lt1"/>
-              </a:highlight>
-              <a:latin typeface="Calibri"/>
-              <a:ea typeface="Calibri"/>
-              <a:cs typeface="Calibri"/>
-              <a:sym typeface="Calibri"/>
-            </a:endParaRPr>
-          </a:p>
-          <a:p>
-            <a:pPr marL="0" lvl="0" indent="0" algn="l" rtl="0">
-              <a:lnSpc>
-                <a:spcPct val="100000"/>
-              </a:lnSpc>
-              <a:spcBef>
-                <a:spcPts val="0"/>
-              </a:spcBef>
-              <a:spcAft>
-                <a:spcPts val="0"/>
-              </a:spcAft>
-              <a:buSzPct val="111111"/>
-              <a:buNone/>
-            </a:pPr>
-            <a:endParaRPr dirty="0"/>
-          </a:p>
-        </p:txBody>
-      </p:sp>
-      <p:pic>
-        <p:nvPicPr>
-          <p:cNvPr id="5" name="Picture 4" descr="Text&#10;&#10;Description automatically generated">
-            <a:extLst>
-              <a:ext uri="{FF2B5EF4-FFF2-40B4-BE49-F238E27FC236}">
-                <a16:creationId xmlns:a16="http://schemas.microsoft.com/office/drawing/2014/main" id="{47CF8D0B-FF95-4A97-BA79-6ECA3F116282}"/>
-              </a:ext>
-            </a:extLst>
-          </p:cNvPr>
-          <p:cNvPicPr>
-            <a:picLocks noChangeAspect="1"/>
-          </p:cNvPicPr>
-          <p:nvPr/>
-        </p:nvPicPr>
-        <p:blipFill>
-          <a:blip r:embed="rId3"/>
-          <a:stretch>
-            <a:fillRect/>
-          </a:stretch>
-        </p:blipFill>
-        <p:spPr>
-          <a:xfrm>
-            <a:off x="194982" y="456867"/>
-            <a:ext cx="8787653" cy="4568928"/>
-          </a:xfrm>
-          <a:prstGeom prst="rect">
-            <a:avLst/>
-          </a:prstGeom>
-        </p:spPr>
-      </p:pic>
-    </p:spTree>
-  </p:cSld>
-  <p:clrMapOvr>
-    <a:masterClrMapping/>
-  </p:clrMapOvr>
-</p:sld>
-</file>
-
-<file path=ppt/slides/slide11.xml><?xml version="1.0" encoding="utf-8"?>
-<p:sld xmlns:a="http://schemas.openxmlformats.org/drawingml/2006/main" xmlns:r="http://schemas.openxmlformats.org/officeDocument/2006/relationships" xmlns:p="http://schemas.openxmlformats.org/presentationml/2006/main">
-  <p:cSld>
-    <p:spTree>
-      <p:nvGrpSpPr>
         <p:cNvPr id="1" name="Shape 146"/>
         <p:cNvGrpSpPr/>
         <p:nvPr/>
@@ -12734,7 +12479,7 @@
 </p:sld>
 </file>
 
-<file path=ppt/slides/slide12.xml><?xml version="1.0" encoding="utf-8"?>
+<file path=ppt/slides/slide11.xml><?xml version="1.0" encoding="utf-8"?>
 <p:sld xmlns:a="http://schemas.openxmlformats.org/drawingml/2006/main" xmlns:r="http://schemas.openxmlformats.org/officeDocument/2006/relationships" xmlns:p="http://schemas.openxmlformats.org/presentationml/2006/main">
   <p:cSld>
     <p:spTree>
@@ -12829,7 +12574,7 @@
 </p:sld>
 </file>
 
-<file path=ppt/slides/slide13.xml><?xml version="1.0" encoding="utf-8"?>
+<file path=ppt/slides/slide12.xml><?xml version="1.0" encoding="utf-8"?>
 <p:sld xmlns:a="http://schemas.openxmlformats.org/drawingml/2006/main" xmlns:r="http://schemas.openxmlformats.org/officeDocument/2006/relationships" xmlns:p="http://schemas.openxmlformats.org/presentationml/2006/main">
   <p:cSld>
     <p:spTree>
@@ -13045,7 +12790,7 @@
 </p:sld>
 </file>
 
-<file path=ppt/slides/slide14.xml><?xml version="1.0" encoding="utf-8"?>
+<file path=ppt/slides/slide13.xml><?xml version="1.0" encoding="utf-8"?>
 <p:sld xmlns:a="http://schemas.openxmlformats.org/drawingml/2006/main" xmlns:r="http://schemas.openxmlformats.org/officeDocument/2006/relationships" xmlns:p="http://schemas.openxmlformats.org/presentationml/2006/main">
   <p:cSld>
     <p:spTree>
@@ -13177,7 +12922,7 @@
 </p:sld>
 </file>
 
-<file path=ppt/slides/slide15.xml><?xml version="1.0" encoding="utf-8"?>
+<file path=ppt/slides/slide14.xml><?xml version="1.0" encoding="utf-8"?>
 <p:sld xmlns:a="http://schemas.openxmlformats.org/drawingml/2006/main" xmlns:r="http://schemas.openxmlformats.org/officeDocument/2006/relationships" xmlns:p="http://schemas.openxmlformats.org/presentationml/2006/main">
   <p:cSld>
     <p:spTree>
@@ -13309,7 +13054,7 @@
 </p:sld>
 </file>
 
-<file path=ppt/slides/slide16.xml><?xml version="1.0" encoding="utf-8"?>
+<file path=ppt/slides/slide15.xml><?xml version="1.0" encoding="utf-8"?>
 <p:sld xmlns:a="http://schemas.openxmlformats.org/drawingml/2006/main" xmlns:r="http://schemas.openxmlformats.org/officeDocument/2006/relationships" xmlns:p="http://schemas.openxmlformats.org/presentationml/2006/main">
   <p:cSld>
     <p:spTree>
@@ -13404,7 +13149,7 @@
 </p:sld>
 </file>
 
-<file path=ppt/slides/slide17.xml><?xml version="1.0" encoding="utf-8"?>
+<file path=ppt/slides/slide16.xml><?xml version="1.0" encoding="utf-8"?>
 <p:sld xmlns:a="http://schemas.openxmlformats.org/drawingml/2006/main" xmlns:r="http://schemas.openxmlformats.org/officeDocument/2006/relationships" xmlns:p="http://schemas.openxmlformats.org/presentationml/2006/main">
   <p:cSld>
     <p:bg>
@@ -13681,6 +13426,36 @@
           </a:p>
         </p:txBody>
       </p:sp>
+      <p:pic>
+        <p:nvPicPr>
+          <p:cNvPr id="3" name="Picture 2" descr="A screenshot of a computer&#10;&#10;Description automatically generated">
+            <a:extLst>
+              <a:ext uri="{FF2B5EF4-FFF2-40B4-BE49-F238E27FC236}">
+                <a16:creationId xmlns:a16="http://schemas.microsoft.com/office/drawing/2014/main" id="{ECE7BA58-C5BE-4973-B5D3-288CA4EAD967}"/>
+              </a:ext>
+            </a:extLst>
+          </p:cNvPr>
+          <p:cNvPicPr>
+            <a:picLocks noChangeAspect="1"/>
+          </p:cNvPicPr>
+          <p:nvPr/>
+        </p:nvPicPr>
+        <p:blipFill>
+          <a:blip r:embed="rId3"/>
+          <a:stretch>
+            <a:fillRect/>
+          </a:stretch>
+        </p:blipFill>
+        <p:spPr>
+          <a:xfrm>
+            <a:off x="727650" y="1383316"/>
+            <a:ext cx="7187453" cy="3305780"/>
+          </a:xfrm>
+          <a:prstGeom prst="rect">
+            <a:avLst/>
+          </a:prstGeom>
+        </p:spPr>
+      </p:pic>
     </p:spTree>
   </p:cSld>
   <p:clrMapOvr>
@@ -13690,81 +13465,6 @@
 </file>
 
 <file path=ppt/slides/slide4.xml><?xml version="1.0" encoding="utf-8"?>
-<p:sld xmlns:a="http://schemas.openxmlformats.org/drawingml/2006/main" xmlns:r="http://schemas.openxmlformats.org/officeDocument/2006/relationships" xmlns:p="http://schemas.openxmlformats.org/presentationml/2006/main">
-  <p:cSld>
-    <p:spTree>
-      <p:nvGrpSpPr>
-        <p:cNvPr id="1" name="Shape 104"/>
-        <p:cNvGrpSpPr/>
-        <p:nvPr/>
-      </p:nvGrpSpPr>
-      <p:grpSpPr>
-        <a:xfrm>
-          <a:off x="0" y="0"/>
-          <a:ext cx="0" cy="0"/>
-          <a:chOff x="0" y="0"/>
-          <a:chExt cx="0" cy="0"/>
-        </a:xfrm>
-      </p:grpSpPr>
-      <p:sp>
-        <p:nvSpPr>
-          <p:cNvPr id="105" name="Google Shape;105;p16"/>
-          <p:cNvSpPr txBox="1">
-            <a:spLocks noGrp="1"/>
-          </p:cNvSpPr>
-          <p:nvPr>
-            <p:ph type="title"/>
-          </p:nvPr>
-        </p:nvSpPr>
-        <p:spPr>
-          <a:xfrm>
-            <a:off x="727650" y="635400"/>
-            <a:ext cx="7688700" cy="535200"/>
-          </a:xfrm>
-          <a:prstGeom prst="rect">
-            <a:avLst/>
-          </a:prstGeom>
-          <a:noFill/>
-          <a:ln>
-            <a:noFill/>
-          </a:ln>
-        </p:spPr>
-        <p:txBody>
-          <a:bodyPr spcFirstLastPara="1" wrap="square" lIns="91425" tIns="91425" rIns="91425" bIns="91425" anchor="t" anchorCtr="0">
-            <a:normAutofit fontScale="90000"/>
-          </a:bodyPr>
-          <a:lstStyle/>
-          <a:p>
-            <a:pPr marL="0" lvl="0" indent="0" algn="l" rtl="0">
-              <a:lnSpc>
-                <a:spcPct val="100000"/>
-              </a:lnSpc>
-              <a:spcBef>
-                <a:spcPts val="0"/>
-              </a:spcBef>
-              <a:spcAft>
-                <a:spcPts val="0"/>
-              </a:spcAft>
-              <a:buSzPct val="111111"/>
-              <a:buNone/>
-            </a:pPr>
-            <a:r>
-              <a:rPr lang="en"/>
-              <a:t>Repository Structure - To Manage Application Code</a:t>
-            </a:r>
-            <a:endParaRPr/>
-          </a:p>
-        </p:txBody>
-      </p:sp>
-    </p:spTree>
-  </p:cSld>
-  <p:clrMapOvr>
-    <a:masterClrMapping/>
-  </p:clrMapOvr>
-</p:sld>
-</file>
-
-<file path=ppt/slides/slide5.xml><?xml version="1.0" encoding="utf-8"?>
 <p:sld xmlns:a="http://schemas.openxmlformats.org/drawingml/2006/main" xmlns:r="http://schemas.openxmlformats.org/officeDocument/2006/relationships" xmlns:p="http://schemas.openxmlformats.org/presentationml/2006/main">
   <p:cSld>
     <p:spTree>
@@ -13831,6 +13531,36 @@
           </a:p>
         </p:txBody>
       </p:sp>
+      <p:pic>
+        <p:nvPicPr>
+          <p:cNvPr id="3" name="Picture 2" descr="A screenshot of a computer&#10;&#10;Description automatically generated">
+            <a:extLst>
+              <a:ext uri="{FF2B5EF4-FFF2-40B4-BE49-F238E27FC236}">
+                <a16:creationId xmlns:a16="http://schemas.microsoft.com/office/drawing/2014/main" id="{C3678A70-3ABF-4F78-969E-F3B12415267E}"/>
+              </a:ext>
+            </a:extLst>
+          </p:cNvPr>
+          <p:cNvPicPr>
+            <a:picLocks noChangeAspect="1"/>
+          </p:cNvPicPr>
+          <p:nvPr/>
+        </p:nvPicPr>
+        <p:blipFill>
+          <a:blip r:embed="rId3"/>
+          <a:stretch>
+            <a:fillRect/>
+          </a:stretch>
+        </p:blipFill>
+        <p:spPr>
+          <a:xfrm>
+            <a:off x="0" y="1122440"/>
+            <a:ext cx="9144000" cy="2898620"/>
+          </a:xfrm>
+          <a:prstGeom prst="rect">
+            <a:avLst/>
+          </a:prstGeom>
+        </p:spPr>
+      </p:pic>
     </p:spTree>
   </p:cSld>
   <p:clrMapOvr>
@@ -13839,7 +13569,7 @@
 </p:sld>
 </file>
 
-<file path=ppt/slides/slide6.xml><?xml version="1.0" encoding="utf-8"?>
+<file path=ppt/slides/slide5.xml><?xml version="1.0" encoding="utf-8"?>
 <p:sld xmlns:a="http://schemas.openxmlformats.org/drawingml/2006/main" xmlns:r="http://schemas.openxmlformats.org/officeDocument/2006/relationships" xmlns:p="http://schemas.openxmlformats.org/presentationml/2006/main">
   <p:cSld>
     <p:spTree>
@@ -14289,7 +14019,7 @@
 </p:sld>
 </file>
 
-<file path=ppt/slides/slide7.xml><?xml version="1.0" encoding="utf-8"?>
+<file path=ppt/slides/slide6.xml><?xml version="1.0" encoding="utf-8"?>
 <p:sld xmlns:a="http://schemas.openxmlformats.org/drawingml/2006/main" xmlns:r="http://schemas.openxmlformats.org/officeDocument/2006/relationships" xmlns:p="http://schemas.openxmlformats.org/presentationml/2006/main">
   <p:cSld>
     <p:spTree>
@@ -14651,7 +14381,7 @@
 </p:sld>
 </file>
 
-<file path=ppt/slides/slide8.xml><?xml version="1.0" encoding="utf-8"?>
+<file path=ppt/slides/slide7.xml><?xml version="1.0" encoding="utf-8"?>
 <p:sld xmlns:a="http://schemas.openxmlformats.org/drawingml/2006/main" xmlns:r="http://schemas.openxmlformats.org/officeDocument/2006/relationships" xmlns:p="http://schemas.openxmlformats.org/presentationml/2006/main">
   <p:cSld>
     <p:spTree>
@@ -14753,7 +14483,7 @@
 </p:sld>
 </file>
 
-<file path=ppt/slides/slide9.xml><?xml version="1.0" encoding="utf-8"?>
+<file path=ppt/slides/slide8.xml><?xml version="1.0" encoding="utf-8"?>
 <p:sld xmlns:a="http://schemas.openxmlformats.org/drawingml/2006/main" xmlns:r="http://schemas.openxmlformats.org/officeDocument/2006/relationships" xmlns:p="http://schemas.openxmlformats.org/presentationml/2006/main">
   <p:cSld>
     <p:spTree>
@@ -14982,6 +14712,138 @@
           </a:p>
         </p:txBody>
       </p:sp>
+    </p:spTree>
+  </p:cSld>
+  <p:clrMapOvr>
+    <a:masterClrMapping/>
+  </p:clrMapOvr>
+</p:sld>
+</file>
+
+<file path=ppt/slides/slide9.xml><?xml version="1.0" encoding="utf-8"?>
+<p:sld xmlns:a="http://schemas.openxmlformats.org/drawingml/2006/main" xmlns:r="http://schemas.openxmlformats.org/officeDocument/2006/relationships" xmlns:p="http://schemas.openxmlformats.org/presentationml/2006/main">
+  <p:cSld>
+    <p:spTree>
+      <p:nvGrpSpPr>
+        <p:cNvPr id="1" name="Shape 140"/>
+        <p:cNvGrpSpPr/>
+        <p:nvPr/>
+      </p:nvGrpSpPr>
+      <p:grpSpPr>
+        <a:xfrm>
+          <a:off x="0" y="0"/>
+          <a:ext cx="0" cy="0"/>
+          <a:chOff x="0" y="0"/>
+          <a:chExt cx="0" cy="0"/>
+        </a:xfrm>
+      </p:grpSpPr>
+      <p:sp>
+        <p:nvSpPr>
+          <p:cNvPr id="141" name="Google Shape;141;p22"/>
+          <p:cNvSpPr txBox="1">
+            <a:spLocks noGrp="1"/>
+          </p:cNvSpPr>
+          <p:nvPr>
+            <p:ph type="title" idx="4294967295"/>
+          </p:nvPr>
+        </p:nvSpPr>
+        <p:spPr>
+          <a:xfrm>
+            <a:off x="678275" y="0"/>
+            <a:ext cx="7688400" cy="535200"/>
+          </a:xfrm>
+          <a:prstGeom prst="rect">
+            <a:avLst/>
+          </a:prstGeom>
+          <a:noFill/>
+          <a:ln>
+            <a:noFill/>
+          </a:ln>
+        </p:spPr>
+        <p:txBody>
+          <a:bodyPr spcFirstLastPara="1" wrap="square" lIns="91425" tIns="91425" rIns="91425" bIns="91425" anchor="t" anchorCtr="0">
+            <a:normAutofit fontScale="90000"/>
+          </a:bodyPr>
+          <a:lstStyle/>
+          <a:p>
+            <a:pPr marL="0" lvl="0" indent="0" algn="l" rtl="0">
+              <a:lnSpc>
+                <a:spcPct val="100000"/>
+              </a:lnSpc>
+              <a:spcBef>
+                <a:spcPts val="0"/>
+              </a:spcBef>
+              <a:spcAft>
+                <a:spcPts val="0"/>
+              </a:spcAft>
+              <a:buSzPct val="122004"/>
+              <a:buNone/>
+            </a:pPr>
+            <a:r>
+              <a:rPr lang="en" dirty="0"/>
+              <a:t>Source Code Sample: 1.5 Update account</a:t>
+            </a:r>
+            <a:endParaRPr sz="2550" b="0" dirty="0">
+              <a:solidFill>
+                <a:srgbClr val="000000"/>
+              </a:solidFill>
+              <a:highlight>
+                <a:schemeClr val="lt1"/>
+              </a:highlight>
+              <a:latin typeface="Calibri"/>
+              <a:ea typeface="Calibri"/>
+              <a:cs typeface="Calibri"/>
+              <a:sym typeface="Calibri"/>
+            </a:endParaRPr>
+          </a:p>
+          <a:p>
+            <a:pPr marL="0" lvl="0" indent="0" algn="l" rtl="0">
+              <a:lnSpc>
+                <a:spcPct val="100000"/>
+              </a:lnSpc>
+              <a:spcBef>
+                <a:spcPts val="0"/>
+              </a:spcBef>
+              <a:spcAft>
+                <a:spcPts val="0"/>
+              </a:spcAft>
+              <a:buSzPct val="111111"/>
+              <a:buNone/>
+            </a:pPr>
+            <a:endParaRPr dirty="0"/>
+          </a:p>
+        </p:txBody>
+      </p:sp>
+      <p:pic>
+        <p:nvPicPr>
+          <p:cNvPr id="5" name="Picture 4" descr="Text&#10;&#10;Description automatically generated">
+            <a:extLst>
+              <a:ext uri="{FF2B5EF4-FFF2-40B4-BE49-F238E27FC236}">
+                <a16:creationId xmlns:a16="http://schemas.microsoft.com/office/drawing/2014/main" id="{47CF8D0B-FF95-4A97-BA79-6ECA3F116282}"/>
+              </a:ext>
+            </a:extLst>
+          </p:cNvPr>
+          <p:cNvPicPr>
+            <a:picLocks noChangeAspect="1"/>
+          </p:cNvPicPr>
+          <p:nvPr/>
+        </p:nvPicPr>
+        <p:blipFill>
+          <a:blip r:embed="rId3"/>
+          <a:stretch>
+            <a:fillRect/>
+          </a:stretch>
+        </p:blipFill>
+        <p:spPr>
+          <a:xfrm>
+            <a:off x="194982" y="456867"/>
+            <a:ext cx="8787653" cy="4568928"/>
+          </a:xfrm>
+          <a:prstGeom prst="rect">
+            <a:avLst/>
+          </a:prstGeom>
+        </p:spPr>
+      </p:pic>
     </p:spTree>
   </p:cSld>
   <p:clrMapOvr>
